--- a/Team Day Learning.pptx
+++ b/Team Day Learning.pptx
@@ -5,7 +5,7 @@
     <p:sldMasterId id="2147483648" r:id="rId1"/>
   </p:sldMasterIdLst>
   <p:notesMasterIdLst>
-    <p:notesMasterId r:id="rId14"/>
+    <p:notesMasterId r:id="rId20"/>
   </p:notesMasterIdLst>
   <p:sldIdLst>
     <p:sldId id="256" r:id="rId2"/>
@@ -15,11 +15,17 @@
     <p:sldId id="261" r:id="rId6"/>
     <p:sldId id="262" r:id="rId7"/>
     <p:sldId id="263" r:id="rId8"/>
-    <p:sldId id="257" r:id="rId9"/>
-    <p:sldId id="258" r:id="rId10"/>
-    <p:sldId id="266" r:id="rId11"/>
-    <p:sldId id="265" r:id="rId12"/>
-    <p:sldId id="264" r:id="rId13"/>
+    <p:sldId id="273" r:id="rId9"/>
+    <p:sldId id="257" r:id="rId10"/>
+    <p:sldId id="268" r:id="rId11"/>
+    <p:sldId id="258" r:id="rId12"/>
+    <p:sldId id="265" r:id="rId13"/>
+    <p:sldId id="266" r:id="rId14"/>
+    <p:sldId id="264" r:id="rId15"/>
+    <p:sldId id="269" r:id="rId16"/>
+    <p:sldId id="270" r:id="rId17"/>
+    <p:sldId id="271" r:id="rId18"/>
+    <p:sldId id="272" r:id="rId19"/>
   </p:sldIdLst>
   <p:sldSz cx="12192000" cy="6858000"/>
   <p:notesSz cx="6858000" cy="9144000"/>
@@ -208,7 +214,7 @@
           <a:p>
             <a:fld id="{F67B02C3-1241-8543-8FD8-70D7A9E317E8}" type="datetimeFigureOut">
               <a:rPr lang="en-US" smtClean="0"/>
-              <a:t>9/21/23</a:t>
+              <a:t>9/25/23</a:t>
             </a:fld>
             <a:endParaRPr lang="en-US"/>
           </a:p>
@@ -520,7 +526,546 @@
           <a:bodyPr/>
           <a:lstStyle/>
           <a:p>
-            <a:pPr marL="0" marR="0" lvl="0" indent="0" algn="l" defTabSz="914400" rtl="0" eaLnBrk="1" fontAlgn="auto" latinLnBrk="0" hangingPunct="1">
+            <a:r>
+              <a:rPr lang="en-US" dirty="0"/>
+              <a:t>https://</a:t>
+            </a:r>
+            <a:r>
+              <a:rPr lang="en-US" dirty="0" err="1"/>
+              <a:t>www.programiz.com</a:t>
+            </a:r>
+            <a:r>
+              <a:rPr lang="en-US" dirty="0"/>
+              <a:t>/python-programming/online-compiler/</a:t>
+            </a:r>
+          </a:p>
+          <a:p>
+            <a:endParaRPr lang="en-US" dirty="0"/>
+          </a:p>
+          <a:p>
+            <a:r>
+              <a:rPr lang="en-US" dirty="0"/>
+              <a:t>https://</a:t>
+            </a:r>
+            <a:r>
+              <a:rPr lang="en-US" dirty="0" err="1"/>
+              <a:t>github.com</a:t>
+            </a:r>
+            <a:r>
+              <a:rPr lang="en-US" dirty="0"/>
+              <a:t>/</a:t>
+            </a:r>
+            <a:r>
+              <a:rPr lang="en-US" dirty="0" err="1"/>
+              <a:t>edvalin</a:t>
+            </a:r>
+            <a:r>
+              <a:rPr lang="en-US" dirty="0"/>
+              <a:t>/story</a:t>
+            </a:r>
+          </a:p>
+          <a:p>
+            <a:endParaRPr lang="en-US" dirty="0"/>
+          </a:p>
+          <a:p>
+            <a:endParaRPr lang="en-US" dirty="0"/>
+          </a:p>
+        </p:txBody>
+      </p:sp>
+      <p:sp>
+        <p:nvSpPr>
+          <p:cNvPr id="4" name="Slide Number Placeholder 3"/>
+          <p:cNvSpPr>
+            <a:spLocks noGrp="1"/>
+          </p:cNvSpPr>
+          <p:nvPr>
+            <p:ph type="sldNum" sz="quarter" idx="5"/>
+          </p:nvPr>
+        </p:nvSpPr>
+        <p:spPr/>
+        <p:txBody>
+          <a:bodyPr/>
+          <a:lstStyle/>
+          <a:p>
+            <a:fld id="{C88270C0-3023-ED4B-A322-438D75BDD1E6}" type="slidenum">
+              <a:rPr lang="en-US" smtClean="0"/>
+              <a:t>2</a:t>
+            </a:fld>
+            <a:endParaRPr lang="en-US"/>
+          </a:p>
+        </p:txBody>
+      </p:sp>
+    </p:spTree>
+    <p:extLst>
+      <p:ext uri="{BB962C8B-B14F-4D97-AF65-F5344CB8AC3E}">
+        <p14:creationId xmlns:p14="http://schemas.microsoft.com/office/powerpoint/2010/main" val="1326062663"/>
+      </p:ext>
+    </p:extLst>
+  </p:cSld>
+  <p:clrMapOvr>
+    <a:masterClrMapping/>
+  </p:clrMapOvr>
+</p:notes>
+</file>
+
+<file path=ppt/notesSlides/notesSlide2.xml><?xml version="1.0" encoding="utf-8"?>
+<p:notes xmlns:a="http://schemas.openxmlformats.org/drawingml/2006/main" xmlns:r="http://schemas.openxmlformats.org/officeDocument/2006/relationships" xmlns:p="http://schemas.openxmlformats.org/presentationml/2006/main">
+  <p:cSld>
+    <p:spTree>
+      <p:nvGrpSpPr>
+        <p:cNvPr id="1" name=""/>
+        <p:cNvGrpSpPr/>
+        <p:nvPr/>
+      </p:nvGrpSpPr>
+      <p:grpSpPr>
+        <a:xfrm>
+          <a:off x="0" y="0"/>
+          <a:ext cx="0" cy="0"/>
+          <a:chOff x="0" y="0"/>
+          <a:chExt cx="0" cy="0"/>
+        </a:xfrm>
+      </p:grpSpPr>
+      <p:sp>
+        <p:nvSpPr>
+          <p:cNvPr id="2" name="Slide Image Placeholder 1"/>
+          <p:cNvSpPr>
+            <a:spLocks noGrp="1" noRot="1" noChangeAspect="1"/>
+          </p:cNvSpPr>
+          <p:nvPr>
+            <p:ph type="sldImg"/>
+          </p:nvPr>
+        </p:nvSpPr>
+        <p:spPr/>
+      </p:sp>
+      <p:sp>
+        <p:nvSpPr>
+          <p:cNvPr id="3" name="Notes Placeholder 2"/>
+          <p:cNvSpPr>
+            <a:spLocks noGrp="1"/>
+          </p:cNvSpPr>
+          <p:nvPr>
+            <p:ph type="body" idx="1"/>
+          </p:nvPr>
+        </p:nvSpPr>
+        <p:spPr/>
+        <p:txBody>
+          <a:bodyPr/>
+          <a:lstStyle/>
+          <a:p>
+            <a:endParaRPr lang="en-US" dirty="0"/>
+          </a:p>
+        </p:txBody>
+      </p:sp>
+      <p:sp>
+        <p:nvSpPr>
+          <p:cNvPr id="4" name="Slide Number Placeholder 3"/>
+          <p:cNvSpPr>
+            <a:spLocks noGrp="1"/>
+          </p:cNvSpPr>
+          <p:nvPr>
+            <p:ph type="sldNum" sz="quarter" idx="5"/>
+          </p:nvPr>
+        </p:nvSpPr>
+        <p:spPr/>
+        <p:txBody>
+          <a:bodyPr/>
+          <a:lstStyle/>
+          <a:p>
+            <a:fld id="{C88270C0-3023-ED4B-A322-438D75BDD1E6}" type="slidenum">
+              <a:rPr lang="en-US" smtClean="0"/>
+              <a:t>7</a:t>
+            </a:fld>
+            <a:endParaRPr lang="en-US"/>
+          </a:p>
+        </p:txBody>
+      </p:sp>
+    </p:spTree>
+    <p:extLst>
+      <p:ext uri="{BB962C8B-B14F-4D97-AF65-F5344CB8AC3E}">
+        <p14:creationId xmlns:p14="http://schemas.microsoft.com/office/powerpoint/2010/main" val="2727613296"/>
+      </p:ext>
+    </p:extLst>
+  </p:cSld>
+  <p:clrMapOvr>
+    <a:masterClrMapping/>
+  </p:clrMapOvr>
+</p:notes>
+</file>
+
+<file path=ppt/notesSlides/notesSlide3.xml><?xml version="1.0" encoding="utf-8"?>
+<p:notes xmlns:a="http://schemas.openxmlformats.org/drawingml/2006/main" xmlns:r="http://schemas.openxmlformats.org/officeDocument/2006/relationships" xmlns:p="http://schemas.openxmlformats.org/presentationml/2006/main">
+  <p:cSld>
+    <p:spTree>
+      <p:nvGrpSpPr>
+        <p:cNvPr id="1" name=""/>
+        <p:cNvGrpSpPr/>
+        <p:nvPr/>
+      </p:nvGrpSpPr>
+      <p:grpSpPr>
+        <a:xfrm>
+          <a:off x="0" y="0"/>
+          <a:ext cx="0" cy="0"/>
+          <a:chOff x="0" y="0"/>
+          <a:chExt cx="0" cy="0"/>
+        </a:xfrm>
+      </p:grpSpPr>
+      <p:sp>
+        <p:nvSpPr>
+          <p:cNvPr id="2" name="Slide Image Placeholder 1"/>
+          <p:cNvSpPr>
+            <a:spLocks noGrp="1" noRot="1" noChangeAspect="1"/>
+          </p:cNvSpPr>
+          <p:nvPr>
+            <p:ph type="sldImg"/>
+          </p:nvPr>
+        </p:nvSpPr>
+        <p:spPr/>
+      </p:sp>
+      <p:sp>
+        <p:nvSpPr>
+          <p:cNvPr id="3" name="Notes Placeholder 2"/>
+          <p:cNvSpPr>
+            <a:spLocks noGrp="1"/>
+          </p:cNvSpPr>
+          <p:nvPr>
+            <p:ph type="body" idx="1"/>
+          </p:nvPr>
+        </p:nvSpPr>
+        <p:spPr/>
+        <p:txBody>
+          <a:bodyPr/>
+          <a:lstStyle/>
+          <a:p>
+            <a:pPr marL="171450" indent="-171450">
+              <a:buFont typeface="Arial" panose="020B0604020202020204" pitchFamily="34" charset="0"/>
+              <a:buChar char="•"/>
+            </a:pPr>
+            <a:r>
+              <a:rPr lang="en-US" dirty="0"/>
+              <a:t>Regardless of language every novel follows similar pattern. It consists of chapters, paragraphs, sentences, words and letters. Programming languages are somewhat similar. They all try to create a set of instruction that computer will need to follow. Some are more human readable, some are more capable. </a:t>
+            </a:r>
+          </a:p>
+          <a:p>
+            <a:pPr marL="171450" indent="-171450">
+              <a:buFont typeface="Arial" panose="020B0604020202020204" pitchFamily="34" charset="0"/>
+              <a:buChar char="•"/>
+            </a:pPr>
+            <a:r>
+              <a:rPr lang="en-US" dirty="0"/>
+              <a:t>Instructions to computers</a:t>
+            </a:r>
+          </a:p>
+          <a:p>
+            <a:endParaRPr lang="en-US" dirty="0"/>
+          </a:p>
+        </p:txBody>
+      </p:sp>
+      <p:sp>
+        <p:nvSpPr>
+          <p:cNvPr id="4" name="Slide Number Placeholder 3"/>
+          <p:cNvSpPr>
+            <a:spLocks noGrp="1"/>
+          </p:cNvSpPr>
+          <p:nvPr>
+            <p:ph type="sldNum" sz="quarter" idx="5"/>
+          </p:nvPr>
+        </p:nvSpPr>
+        <p:spPr/>
+        <p:txBody>
+          <a:bodyPr/>
+          <a:lstStyle/>
+          <a:p>
+            <a:fld id="{C88270C0-3023-ED4B-A322-438D75BDD1E6}" type="slidenum">
+              <a:rPr lang="en-US" smtClean="0"/>
+              <a:t>9</a:t>
+            </a:fld>
+            <a:endParaRPr lang="en-US"/>
+          </a:p>
+        </p:txBody>
+      </p:sp>
+    </p:spTree>
+    <p:extLst>
+      <p:ext uri="{BB962C8B-B14F-4D97-AF65-F5344CB8AC3E}">
+        <p14:creationId xmlns:p14="http://schemas.microsoft.com/office/powerpoint/2010/main" val="907594701"/>
+      </p:ext>
+    </p:extLst>
+  </p:cSld>
+  <p:clrMapOvr>
+    <a:masterClrMapping/>
+  </p:clrMapOvr>
+</p:notes>
+</file>
+
+<file path=ppt/notesSlides/notesSlide4.xml><?xml version="1.0" encoding="utf-8"?>
+<p:notes xmlns:a="http://schemas.openxmlformats.org/drawingml/2006/main" xmlns:r="http://schemas.openxmlformats.org/officeDocument/2006/relationships" xmlns:p="http://schemas.openxmlformats.org/presentationml/2006/main">
+  <p:cSld>
+    <p:spTree>
+      <p:nvGrpSpPr>
+        <p:cNvPr id="1" name=""/>
+        <p:cNvGrpSpPr/>
+        <p:nvPr/>
+      </p:nvGrpSpPr>
+      <p:grpSpPr>
+        <a:xfrm>
+          <a:off x="0" y="0"/>
+          <a:ext cx="0" cy="0"/>
+          <a:chOff x="0" y="0"/>
+          <a:chExt cx="0" cy="0"/>
+        </a:xfrm>
+      </p:grpSpPr>
+      <p:sp>
+        <p:nvSpPr>
+          <p:cNvPr id="2" name="Slide Image Placeholder 1"/>
+          <p:cNvSpPr>
+            <a:spLocks noGrp="1" noRot="1" noChangeAspect="1"/>
+          </p:cNvSpPr>
+          <p:nvPr>
+            <p:ph type="sldImg"/>
+          </p:nvPr>
+        </p:nvSpPr>
+        <p:spPr/>
+      </p:sp>
+      <p:sp>
+        <p:nvSpPr>
+          <p:cNvPr id="3" name="Notes Placeholder 2"/>
+          <p:cNvSpPr>
+            <a:spLocks noGrp="1"/>
+          </p:cNvSpPr>
+          <p:nvPr>
+            <p:ph type="body" idx="1"/>
+          </p:nvPr>
+        </p:nvSpPr>
+        <p:spPr/>
+        <p:txBody>
+          <a:bodyPr/>
+          <a:lstStyle/>
+          <a:p>
+            <a:pPr marL="171450" indent="-171450">
+              <a:buFont typeface="Arial" panose="020B0604020202020204" pitchFamily="34" charset="0"/>
+              <a:buChar char="•"/>
+            </a:pPr>
+            <a:r>
+              <a:rPr lang="en-US" dirty="0"/>
+              <a:t>Code is human readable </a:t>
+            </a:r>
+          </a:p>
+          <a:p>
+            <a:pPr marL="171450" indent="-171450">
+              <a:buFont typeface="Arial" panose="020B0604020202020204" pitchFamily="34" charset="0"/>
+              <a:buChar char="•"/>
+            </a:pPr>
+            <a:r>
+              <a:rPr lang="en-US" dirty="0"/>
+              <a:t>But it is compiled into instructions that computers can understand</a:t>
+            </a:r>
+          </a:p>
+        </p:txBody>
+      </p:sp>
+      <p:sp>
+        <p:nvSpPr>
+          <p:cNvPr id="4" name="Slide Number Placeholder 3"/>
+          <p:cNvSpPr>
+            <a:spLocks noGrp="1"/>
+          </p:cNvSpPr>
+          <p:nvPr>
+            <p:ph type="sldNum" sz="quarter" idx="5"/>
+          </p:nvPr>
+        </p:nvSpPr>
+        <p:spPr/>
+        <p:txBody>
+          <a:bodyPr/>
+          <a:lstStyle/>
+          <a:p>
+            <a:fld id="{C88270C0-3023-ED4B-A322-438D75BDD1E6}" type="slidenum">
+              <a:rPr lang="en-US" smtClean="0"/>
+              <a:t>10</a:t>
+            </a:fld>
+            <a:endParaRPr lang="en-US"/>
+          </a:p>
+        </p:txBody>
+      </p:sp>
+    </p:spTree>
+    <p:extLst>
+      <p:ext uri="{BB962C8B-B14F-4D97-AF65-F5344CB8AC3E}">
+        <p14:creationId xmlns:p14="http://schemas.microsoft.com/office/powerpoint/2010/main" val="1562976638"/>
+      </p:ext>
+    </p:extLst>
+  </p:cSld>
+  <p:clrMapOvr>
+    <a:masterClrMapping/>
+  </p:clrMapOvr>
+</p:notes>
+</file>
+
+<file path=ppt/notesSlides/notesSlide5.xml><?xml version="1.0" encoding="utf-8"?>
+<p:notes xmlns:a="http://schemas.openxmlformats.org/drawingml/2006/main" xmlns:r="http://schemas.openxmlformats.org/officeDocument/2006/relationships" xmlns:p="http://schemas.openxmlformats.org/presentationml/2006/main">
+  <p:cSld>
+    <p:spTree>
+      <p:nvGrpSpPr>
+        <p:cNvPr id="1" name=""/>
+        <p:cNvGrpSpPr/>
+        <p:nvPr/>
+      </p:nvGrpSpPr>
+      <p:grpSpPr>
+        <a:xfrm>
+          <a:off x="0" y="0"/>
+          <a:ext cx="0" cy="0"/>
+          <a:chOff x="0" y="0"/>
+          <a:chExt cx="0" cy="0"/>
+        </a:xfrm>
+      </p:grpSpPr>
+      <p:sp>
+        <p:nvSpPr>
+          <p:cNvPr id="2" name="Slide Image Placeholder 1"/>
+          <p:cNvSpPr>
+            <a:spLocks noGrp="1" noRot="1" noChangeAspect="1"/>
+          </p:cNvSpPr>
+          <p:nvPr>
+            <p:ph type="sldImg"/>
+          </p:nvPr>
+        </p:nvSpPr>
+        <p:spPr/>
+      </p:sp>
+      <p:sp>
+        <p:nvSpPr>
+          <p:cNvPr id="3" name="Notes Placeholder 2"/>
+          <p:cNvSpPr>
+            <a:spLocks noGrp="1"/>
+          </p:cNvSpPr>
+          <p:nvPr>
+            <p:ph type="body" idx="1"/>
+          </p:nvPr>
+        </p:nvSpPr>
+        <p:spPr/>
+        <p:txBody>
+          <a:bodyPr/>
+          <a:lstStyle/>
+          <a:p>
+            <a:endParaRPr lang="en-US" dirty="0"/>
+          </a:p>
+        </p:txBody>
+      </p:sp>
+      <p:sp>
+        <p:nvSpPr>
+          <p:cNvPr id="4" name="Slide Number Placeholder 3"/>
+          <p:cNvSpPr>
+            <a:spLocks noGrp="1"/>
+          </p:cNvSpPr>
+          <p:nvPr>
+            <p:ph type="sldNum" sz="quarter" idx="5"/>
+          </p:nvPr>
+        </p:nvSpPr>
+        <p:spPr/>
+        <p:txBody>
+          <a:bodyPr/>
+          <a:lstStyle/>
+          <a:p>
+            <a:fld id="{C88270C0-3023-ED4B-A322-438D75BDD1E6}" type="slidenum">
+              <a:rPr lang="en-US" smtClean="0"/>
+              <a:t>11</a:t>
+            </a:fld>
+            <a:endParaRPr lang="en-US"/>
+          </a:p>
+        </p:txBody>
+      </p:sp>
+    </p:spTree>
+    <p:extLst>
+      <p:ext uri="{BB962C8B-B14F-4D97-AF65-F5344CB8AC3E}">
+        <p14:creationId xmlns:p14="http://schemas.microsoft.com/office/powerpoint/2010/main" val="925775083"/>
+      </p:ext>
+    </p:extLst>
+  </p:cSld>
+  <p:clrMapOvr>
+    <a:masterClrMapping/>
+  </p:clrMapOvr>
+</p:notes>
+</file>
+
+<file path=ppt/notesSlides/notesSlide6.xml><?xml version="1.0" encoding="utf-8"?>
+<p:notes xmlns:a="http://schemas.openxmlformats.org/drawingml/2006/main" xmlns:r="http://schemas.openxmlformats.org/officeDocument/2006/relationships" xmlns:p="http://schemas.openxmlformats.org/presentationml/2006/main">
+  <p:cSld>
+    <p:spTree>
+      <p:nvGrpSpPr>
+        <p:cNvPr id="1" name=""/>
+        <p:cNvGrpSpPr/>
+        <p:nvPr/>
+      </p:nvGrpSpPr>
+      <p:grpSpPr>
+        <a:xfrm>
+          <a:off x="0" y="0"/>
+          <a:ext cx="0" cy="0"/>
+          <a:chOff x="0" y="0"/>
+          <a:chExt cx="0" cy="0"/>
+        </a:xfrm>
+      </p:grpSpPr>
+      <p:sp>
+        <p:nvSpPr>
+          <p:cNvPr id="2" name="Slide Image Placeholder 1"/>
+          <p:cNvSpPr>
+            <a:spLocks noGrp="1" noRot="1" noChangeAspect="1"/>
+          </p:cNvSpPr>
+          <p:nvPr>
+            <p:ph type="sldImg"/>
+          </p:nvPr>
+        </p:nvSpPr>
+        <p:spPr/>
+      </p:sp>
+      <p:sp>
+        <p:nvSpPr>
+          <p:cNvPr id="3" name="Notes Placeholder 2"/>
+          <p:cNvSpPr>
+            <a:spLocks noGrp="1"/>
+          </p:cNvSpPr>
+          <p:nvPr>
+            <p:ph type="body" idx="1"/>
+          </p:nvPr>
+        </p:nvSpPr>
+        <p:spPr/>
+        <p:txBody>
+          <a:bodyPr/>
+          <a:lstStyle/>
+          <a:p>
+            <a:pPr marL="171450" indent="-171450">
+              <a:buFont typeface="Arial" panose="020B0604020202020204" pitchFamily="34" charset="0"/>
+              <a:buChar char="•"/>
+            </a:pPr>
+            <a:r>
+              <a:rPr lang="en-US" dirty="0"/>
+              <a:t>Variables – like labels </a:t>
+            </a:r>
+          </a:p>
+          <a:p>
+            <a:pPr marL="171450" indent="-171450">
+              <a:buFont typeface="Arial" panose="020B0604020202020204" pitchFamily="34" charset="0"/>
+              <a:buChar char="•"/>
+            </a:pPr>
+            <a:r>
+              <a:rPr lang="en-US" dirty="0"/>
+              <a:t>Lists – collections of some values</a:t>
+            </a:r>
+          </a:p>
+          <a:p>
+            <a:pPr marL="171450" indent="-171450">
+              <a:buFont typeface="Arial" panose="020B0604020202020204" pitchFamily="34" charset="0"/>
+              <a:buChar char="•"/>
+            </a:pPr>
+            <a:r>
+              <a:rPr lang="en-US" dirty="0"/>
+              <a:t>Functions – bundles code together</a:t>
+            </a:r>
+          </a:p>
+          <a:p>
+            <a:pPr marL="171450" indent="-171450">
+              <a:buFont typeface="Arial" panose="020B0604020202020204" pitchFamily="34" charset="0"/>
+              <a:buChar char="•"/>
+            </a:pPr>
+            <a:r>
+              <a:rPr lang="en-US" dirty="0"/>
+              <a:t>If conditional statement – the condition (if raining take uber)</a:t>
+            </a:r>
+          </a:p>
+          <a:p>
+            <a:pPr marL="171450" marR="0" lvl="0" indent="-171450" algn="l" defTabSz="914400" rtl="0" eaLnBrk="1" fontAlgn="auto" latinLnBrk="0" hangingPunct="1">
               <a:lnSpc>
                 <a:spcPct val="100000"/>
               </a:lnSpc>
@@ -532,18 +1077,18 @@
               </a:spcAft>
               <a:buClrTx/>
               <a:buSzTx/>
-              <a:buFontTx/>
-              <a:buNone/>
+              <a:buFont typeface="Arial" panose="020B0604020202020204" pitchFamily="34" charset="0"/>
+              <a:buChar char="•"/>
               <a:tabLst/>
               <a:defRPr/>
             </a:pPr>
             <a:r>
-              <a:rPr lang="en-US"/>
-              <a:t>Like languages has grammar rules, programing languages have rules and concepts as well.</a:t>
-            </a:r>
-          </a:p>
-          <a:p>
-            <a:endParaRPr lang="en-US"/>
+              <a:rPr lang="en-US" dirty="0"/>
+              <a:t>While loops – or just loops – repeats actions until some condition met (while raining take uber)</a:t>
+            </a:r>
+          </a:p>
+          <a:p>
+            <a:endParaRPr lang="en-US" dirty="0"/>
           </a:p>
         </p:txBody>
       </p:sp>
@@ -564,7 +1109,7 @@
           <a:p>
             <a:fld id="{C88270C0-3023-ED4B-A322-438D75BDD1E6}" type="slidenum">
               <a:rPr lang="en-US" smtClean="0"/>
-              <a:t>10</a:t>
+              <a:t>13</a:t>
             </a:fld>
             <a:endParaRPr lang="en-US"/>
           </a:p>
@@ -574,6 +1119,207 @@
     <p:extLst>
       <p:ext uri="{BB962C8B-B14F-4D97-AF65-F5344CB8AC3E}">
         <p14:creationId xmlns:p14="http://schemas.microsoft.com/office/powerpoint/2010/main" val="2966573435"/>
+      </p:ext>
+    </p:extLst>
+  </p:cSld>
+  <p:clrMapOvr>
+    <a:masterClrMapping/>
+  </p:clrMapOvr>
+</p:notes>
+</file>
+
+<file path=ppt/notesSlides/notesSlide7.xml><?xml version="1.0" encoding="utf-8"?>
+<p:notes xmlns:a="http://schemas.openxmlformats.org/drawingml/2006/main" xmlns:r="http://schemas.openxmlformats.org/officeDocument/2006/relationships" xmlns:p="http://schemas.openxmlformats.org/presentationml/2006/main">
+  <p:cSld>
+    <p:spTree>
+      <p:nvGrpSpPr>
+        <p:cNvPr id="1" name=""/>
+        <p:cNvGrpSpPr/>
+        <p:nvPr/>
+      </p:nvGrpSpPr>
+      <p:grpSpPr>
+        <a:xfrm>
+          <a:off x="0" y="0"/>
+          <a:ext cx="0" cy="0"/>
+          <a:chOff x="0" y="0"/>
+          <a:chExt cx="0" cy="0"/>
+        </a:xfrm>
+      </p:grpSpPr>
+      <p:sp>
+        <p:nvSpPr>
+          <p:cNvPr id="2" name="Slide Image Placeholder 1"/>
+          <p:cNvSpPr>
+            <a:spLocks noGrp="1" noRot="1" noChangeAspect="1"/>
+          </p:cNvSpPr>
+          <p:nvPr>
+            <p:ph type="sldImg"/>
+          </p:nvPr>
+        </p:nvSpPr>
+        <p:spPr/>
+      </p:sp>
+      <p:sp>
+        <p:nvSpPr>
+          <p:cNvPr id="3" name="Notes Placeholder 2"/>
+          <p:cNvSpPr>
+            <a:spLocks noGrp="1"/>
+          </p:cNvSpPr>
+          <p:nvPr>
+            <p:ph type="body" idx="1"/>
+          </p:nvPr>
+        </p:nvSpPr>
+        <p:spPr/>
+        <p:txBody>
+          <a:bodyPr/>
+          <a:lstStyle/>
+          <a:p>
+            <a:r>
+              <a:rPr lang="en-US" dirty="0"/>
+              <a:t>We are going to write our first line of code</a:t>
+            </a:r>
+          </a:p>
+          <a:p>
+            <a:endParaRPr lang="en-US" dirty="0"/>
+          </a:p>
+          <a:p>
+            <a:r>
+              <a:rPr lang="en-US" dirty="0"/>
+              <a:t>Print is built in Python function that tells computer to print whatever we ask it to the console</a:t>
+            </a:r>
+          </a:p>
+          <a:p>
+            <a:endParaRPr lang="en-US" dirty="0"/>
+          </a:p>
+          <a:p>
+            <a:r>
+              <a:rPr lang="en-US" dirty="0"/>
+              <a:t>Input stops and waits for user to key in something</a:t>
+            </a:r>
+          </a:p>
+          <a:p>
+            <a:endParaRPr lang="en-US" dirty="0"/>
+          </a:p>
+          <a:p>
+            <a:r>
+              <a:rPr lang="en-US" dirty="0"/>
+              <a:t>Function bindles up lines of code so we don’t need to repeat writing same code again and again</a:t>
+            </a:r>
+          </a:p>
+        </p:txBody>
+      </p:sp>
+      <p:sp>
+        <p:nvSpPr>
+          <p:cNvPr id="4" name="Slide Number Placeholder 3"/>
+          <p:cNvSpPr>
+            <a:spLocks noGrp="1"/>
+          </p:cNvSpPr>
+          <p:nvPr>
+            <p:ph type="sldNum" sz="quarter" idx="5"/>
+          </p:nvPr>
+        </p:nvSpPr>
+        <p:spPr/>
+        <p:txBody>
+          <a:bodyPr/>
+          <a:lstStyle/>
+          <a:p>
+            <a:fld id="{C88270C0-3023-ED4B-A322-438D75BDD1E6}" type="slidenum">
+              <a:rPr lang="en-US" smtClean="0"/>
+              <a:t>14</a:t>
+            </a:fld>
+            <a:endParaRPr lang="en-US"/>
+          </a:p>
+        </p:txBody>
+      </p:sp>
+    </p:spTree>
+    <p:extLst>
+      <p:ext uri="{BB962C8B-B14F-4D97-AF65-F5344CB8AC3E}">
+        <p14:creationId xmlns:p14="http://schemas.microsoft.com/office/powerpoint/2010/main" val="415593284"/>
+      </p:ext>
+    </p:extLst>
+  </p:cSld>
+  <p:clrMapOvr>
+    <a:masterClrMapping/>
+  </p:clrMapOvr>
+</p:notes>
+</file>
+
+<file path=ppt/notesSlides/notesSlide8.xml><?xml version="1.0" encoding="utf-8"?>
+<p:notes xmlns:a="http://schemas.openxmlformats.org/drawingml/2006/main" xmlns:r="http://schemas.openxmlformats.org/officeDocument/2006/relationships" xmlns:p="http://schemas.openxmlformats.org/presentationml/2006/main">
+  <p:cSld>
+    <p:spTree>
+      <p:nvGrpSpPr>
+        <p:cNvPr id="1" name=""/>
+        <p:cNvGrpSpPr/>
+        <p:nvPr/>
+      </p:nvGrpSpPr>
+      <p:grpSpPr>
+        <a:xfrm>
+          <a:off x="0" y="0"/>
+          <a:ext cx="0" cy="0"/>
+          <a:chOff x="0" y="0"/>
+          <a:chExt cx="0" cy="0"/>
+        </a:xfrm>
+      </p:grpSpPr>
+      <p:sp>
+        <p:nvSpPr>
+          <p:cNvPr id="2" name="Slide Image Placeholder 1"/>
+          <p:cNvSpPr>
+            <a:spLocks noGrp="1" noRot="1" noChangeAspect="1"/>
+          </p:cNvSpPr>
+          <p:nvPr>
+            <p:ph type="sldImg"/>
+          </p:nvPr>
+        </p:nvSpPr>
+        <p:spPr/>
+      </p:sp>
+      <p:sp>
+        <p:nvSpPr>
+          <p:cNvPr id="3" name="Notes Placeholder 2"/>
+          <p:cNvSpPr>
+            <a:spLocks noGrp="1"/>
+          </p:cNvSpPr>
+          <p:nvPr>
+            <p:ph type="body" idx="1"/>
+          </p:nvPr>
+        </p:nvSpPr>
+        <p:spPr/>
+        <p:txBody>
+          <a:bodyPr/>
+          <a:lstStyle/>
+          <a:p>
+            <a:r>
+              <a:rPr lang="en-US" dirty="0"/>
+              <a:t>Introduce conditions</a:t>
+            </a:r>
+          </a:p>
+        </p:txBody>
+      </p:sp>
+      <p:sp>
+        <p:nvSpPr>
+          <p:cNvPr id="4" name="Slide Number Placeholder 3"/>
+          <p:cNvSpPr>
+            <a:spLocks noGrp="1"/>
+          </p:cNvSpPr>
+          <p:nvPr>
+            <p:ph type="sldNum" sz="quarter" idx="5"/>
+          </p:nvPr>
+        </p:nvSpPr>
+        <p:spPr/>
+        <p:txBody>
+          <a:bodyPr/>
+          <a:lstStyle/>
+          <a:p>
+            <a:fld id="{C88270C0-3023-ED4B-A322-438D75BDD1E6}" type="slidenum">
+              <a:rPr lang="en-US" smtClean="0"/>
+              <a:t>15</a:t>
+            </a:fld>
+            <a:endParaRPr lang="en-US"/>
+          </a:p>
+        </p:txBody>
+      </p:sp>
+    </p:spTree>
+    <p:extLst>
+      <p:ext uri="{BB962C8B-B14F-4D97-AF65-F5344CB8AC3E}">
+        <p14:creationId xmlns:p14="http://schemas.microsoft.com/office/powerpoint/2010/main" val="3918600344"/>
       </p:ext>
     </p:extLst>
   </p:cSld>
@@ -732,7 +1478,7 @@
           <a:p>
             <a:fld id="{23B71265-D89D-8A4D-9E4F-F046B626A212}" type="datetimeFigureOut">
               <a:rPr lang="en-US" smtClean="0"/>
-              <a:t>9/21/23</a:t>
+              <a:t>9/25/23</a:t>
             </a:fld>
             <a:endParaRPr lang="en-US"/>
           </a:p>
@@ -932,7 +1678,7 @@
           <a:p>
             <a:fld id="{23B71265-D89D-8A4D-9E4F-F046B626A212}" type="datetimeFigureOut">
               <a:rPr lang="en-US" smtClean="0"/>
-              <a:t>9/21/23</a:t>
+              <a:t>9/25/23</a:t>
             </a:fld>
             <a:endParaRPr lang="en-US"/>
           </a:p>
@@ -1142,7 +1888,7 @@
           <a:p>
             <a:fld id="{23B71265-D89D-8A4D-9E4F-F046B626A212}" type="datetimeFigureOut">
               <a:rPr lang="en-US" smtClean="0"/>
-              <a:t>9/21/23</a:t>
+              <a:t>9/25/23</a:t>
             </a:fld>
             <a:endParaRPr lang="en-US"/>
           </a:p>
@@ -1342,7 +2088,7 @@
           <a:p>
             <a:fld id="{23B71265-D89D-8A4D-9E4F-F046B626A212}" type="datetimeFigureOut">
               <a:rPr lang="en-US" smtClean="0"/>
-              <a:t>9/21/23</a:t>
+              <a:t>9/25/23</a:t>
             </a:fld>
             <a:endParaRPr lang="en-US"/>
           </a:p>
@@ -1618,7 +2364,7 @@
           <a:p>
             <a:fld id="{23B71265-D89D-8A4D-9E4F-F046B626A212}" type="datetimeFigureOut">
               <a:rPr lang="en-US" smtClean="0"/>
-              <a:t>9/21/23</a:t>
+              <a:t>9/25/23</a:t>
             </a:fld>
             <a:endParaRPr lang="en-US"/>
           </a:p>
@@ -1886,7 +2632,7 @@
           <a:p>
             <a:fld id="{23B71265-D89D-8A4D-9E4F-F046B626A212}" type="datetimeFigureOut">
               <a:rPr lang="en-US" smtClean="0"/>
-              <a:t>9/21/23</a:t>
+              <a:t>9/25/23</a:t>
             </a:fld>
             <a:endParaRPr lang="en-US"/>
           </a:p>
@@ -2301,7 +3047,7 @@
           <a:p>
             <a:fld id="{23B71265-D89D-8A4D-9E4F-F046B626A212}" type="datetimeFigureOut">
               <a:rPr lang="en-US" smtClean="0"/>
-              <a:t>9/21/23</a:t>
+              <a:t>9/25/23</a:t>
             </a:fld>
             <a:endParaRPr lang="en-US"/>
           </a:p>
@@ -2443,7 +3189,7 @@
           <a:p>
             <a:fld id="{23B71265-D89D-8A4D-9E4F-F046B626A212}" type="datetimeFigureOut">
               <a:rPr lang="en-US" smtClean="0"/>
-              <a:t>9/21/23</a:t>
+              <a:t>9/25/23</a:t>
             </a:fld>
             <a:endParaRPr lang="en-US"/>
           </a:p>
@@ -2556,7 +3302,7 @@
           <a:p>
             <a:fld id="{23B71265-D89D-8A4D-9E4F-F046B626A212}" type="datetimeFigureOut">
               <a:rPr lang="en-US" smtClean="0"/>
-              <a:t>9/21/23</a:t>
+              <a:t>9/25/23</a:t>
             </a:fld>
             <a:endParaRPr lang="en-US"/>
           </a:p>
@@ -2869,7 +3615,7 @@
           <a:p>
             <a:fld id="{23B71265-D89D-8A4D-9E4F-F046B626A212}" type="datetimeFigureOut">
               <a:rPr lang="en-US" smtClean="0"/>
-              <a:t>9/21/23</a:t>
+              <a:t>9/25/23</a:t>
             </a:fld>
             <a:endParaRPr lang="en-US"/>
           </a:p>
@@ -3158,7 +3904,7 @@
           <a:p>
             <a:fld id="{23B71265-D89D-8A4D-9E4F-F046B626A212}" type="datetimeFigureOut">
               <a:rPr lang="en-US" smtClean="0"/>
-              <a:t>9/21/23</a:t>
+              <a:t>9/25/23</a:t>
             </a:fld>
             <a:endParaRPr lang="en-US"/>
           </a:p>
@@ -3401,7 +4147,7 @@
           <a:p>
             <a:fld id="{23B71265-D89D-8A4D-9E4F-F046B626A212}" type="datetimeFigureOut">
               <a:rPr lang="en-US" smtClean="0"/>
-              <a:t>9/21/23</a:t>
+              <a:t>9/25/23</a:t>
             </a:fld>
             <a:endParaRPr lang="en-US"/>
           </a:p>
@@ -3840,9 +4586,16 @@
           <a:lstStyle/>
           <a:p>
             <a:r>
-              <a:rPr lang="en-US" dirty="0"/>
-              <a:t>Team Day Learning</a:t>
-            </a:r>
+              <a:rPr lang="en-GB" b="0" i="0" dirty="0">
+                <a:solidFill>
+                  <a:srgbClr val="444444"/>
+                </a:solidFill>
+                <a:effectLst/>
+                <a:latin typeface="Calibri" panose="020F0502020204030204" pitchFamily="34" charset="0"/>
+              </a:rPr>
+              <a:t>Fantastic Code and How to Run It</a:t>
+            </a:r>
+            <a:endParaRPr lang="en-US" dirty="0"/>
           </a:p>
         </p:txBody>
       </p:sp>
@@ -3867,7 +4620,10 @@
           <a:bodyPr/>
           <a:lstStyle/>
           <a:p>
-            <a:endParaRPr lang="en-US"/>
+            <a:r>
+              <a:rPr lang="en-US" dirty="0"/>
+              <a:t>It’s not all magic</a:t>
+            </a:r>
           </a:p>
         </p:txBody>
       </p:sp>
@@ -3906,7 +4662,7 @@
           <p:cNvPr id="2" name="Title 1">
             <a:extLst>
               <a:ext uri="{FF2B5EF4-FFF2-40B4-BE49-F238E27FC236}">
-                <a16:creationId xmlns:a16="http://schemas.microsoft.com/office/drawing/2014/main" id="{62D7B990-B714-62CD-C1C1-D525827CB545}"/>
+                <a16:creationId xmlns:a16="http://schemas.microsoft.com/office/drawing/2014/main" id="{9507D7AB-5F83-3DC0-6249-C576B8BB1A2B}"/>
               </a:ext>
             </a:extLst>
           </p:cNvPr>
@@ -3924,7 +4680,7 @@
           <a:p>
             <a:r>
               <a:rPr lang="en-US" dirty="0"/>
-              <a:t>What concepts we will use</a:t>
+              <a:t>Purpose of Programming Languages</a:t>
             </a:r>
           </a:p>
         </p:txBody>
@@ -3934,7 +4690,7 @@
           <p:cNvPr id="3" name="Content Placeholder 2">
             <a:extLst>
               <a:ext uri="{FF2B5EF4-FFF2-40B4-BE49-F238E27FC236}">
-                <a16:creationId xmlns:a16="http://schemas.microsoft.com/office/drawing/2014/main" id="{A3BE770C-EBC6-66FF-FFF8-89887C7C65F8}"/>
+                <a16:creationId xmlns:a16="http://schemas.microsoft.com/office/drawing/2014/main" id="{CD7A5D32-EAAD-0312-4A7E-7E6A76C09609}"/>
               </a:ext>
             </a:extLst>
           </p:cNvPr>
@@ -3950,47 +4706,20 @@
           <a:bodyPr/>
           <a:lstStyle/>
           <a:p>
-            <a:pPr marL="0" indent="0">
-              <a:buNone/>
-            </a:pPr>
+            <a:r>
+              <a:rPr lang="en-US" dirty="0"/>
+              <a:t>Instead of people we communicate with computers</a:t>
+            </a:r>
+          </a:p>
+          <a:p>
             <a:endParaRPr lang="en-US" dirty="0"/>
-          </a:p>
-          <a:p>
-            <a:r>
-              <a:rPr lang="en-US" dirty="0"/>
-              <a:t>Variables</a:t>
-            </a:r>
-          </a:p>
-          <a:p>
-            <a:r>
-              <a:rPr lang="en-US" dirty="0"/>
-              <a:t>Lists</a:t>
-            </a:r>
-          </a:p>
-          <a:p>
-            <a:r>
-              <a:rPr lang="en-US" dirty="0"/>
-              <a:t>Functions</a:t>
-            </a:r>
-          </a:p>
-          <a:p>
-            <a:r>
-              <a:rPr lang="en-US" dirty="0"/>
-              <a:t>While loops</a:t>
-            </a:r>
-          </a:p>
-          <a:p>
-            <a:r>
-              <a:rPr lang="en-US" dirty="0"/>
-              <a:t>If conditional statement</a:t>
-            </a:r>
           </a:p>
         </p:txBody>
       </p:sp>
     </p:spTree>
     <p:extLst>
       <p:ext uri="{BB962C8B-B14F-4D97-AF65-F5344CB8AC3E}">
-        <p14:creationId xmlns:p14="http://schemas.microsoft.com/office/powerpoint/2010/main" val="1069078277"/>
+        <p14:creationId xmlns:p14="http://schemas.microsoft.com/office/powerpoint/2010/main" val="1684458629"/>
       </p:ext>
     </p:extLst>
   </p:cSld>
@@ -4022,7 +4751,7 @@
           <p:cNvPr id="2" name="Title 1">
             <a:extLst>
               <a:ext uri="{FF2B5EF4-FFF2-40B4-BE49-F238E27FC236}">
-                <a16:creationId xmlns:a16="http://schemas.microsoft.com/office/drawing/2014/main" id="{D42DE7A4-F20A-D247-D267-561F8BA36AC2}"/>
+                <a16:creationId xmlns:a16="http://schemas.microsoft.com/office/drawing/2014/main" id="{ADD116CF-D81E-86CB-B223-5F69DB520684}"/>
               </a:ext>
             </a:extLst>
           </p:cNvPr>
@@ -4040,7 +4769,7 @@
           <a:p>
             <a:r>
               <a:rPr lang="en-US" dirty="0"/>
-              <a:t>Why Python?</a:t>
+              <a:t>How Programing Language Looks Like? </a:t>
             </a:r>
           </a:p>
         </p:txBody>
@@ -4050,7 +4779,7 @@
           <p:cNvPr id="3" name="Content Placeholder 2">
             <a:extLst>
               <a:ext uri="{FF2B5EF4-FFF2-40B4-BE49-F238E27FC236}">
-                <a16:creationId xmlns:a16="http://schemas.microsoft.com/office/drawing/2014/main" id="{F64E2172-4D33-509E-270D-B954A143F2E1}"/>
+                <a16:creationId xmlns:a16="http://schemas.microsoft.com/office/drawing/2014/main" id="{1293DB01-4E5E-4DAC-DB5B-0E245713C0D6}"/>
               </a:ext>
             </a:extLst>
           </p:cNvPr>
@@ -4066,15 +4795,43 @@
           <a:bodyPr/>
           <a:lstStyle/>
           <a:p>
-            <a:r>
-              <a:rPr lang="en-US" dirty="0"/>
-              <a:t>Easy for beginners to understand</a:t>
-            </a:r>
-          </a:p>
-          <a:p>
-            <a:r>
-              <a:rPr lang="en-US" dirty="0"/>
-              <a:t>Simple to run</a:t>
+            <a:pPr marL="0" indent="0">
+              <a:buNone/>
+            </a:pPr>
+            <a:r>
+              <a:rPr lang="en-US" dirty="0"/>
+              <a:t>Logic is the key:</a:t>
+            </a:r>
+            <a:br>
+              <a:rPr lang="en-US" dirty="0"/>
+            </a:br>
+            <a:endParaRPr lang="en-US" dirty="0"/>
+          </a:p>
+          <a:p>
+            <a:r>
+              <a:rPr lang="en-US" dirty="0"/>
+              <a:t>If raining today </a:t>
+            </a:r>
+            <a:br>
+              <a:rPr lang="en-US" dirty="0"/>
+            </a:br>
+            <a:r>
+              <a:rPr lang="en-US" dirty="0"/>
+              <a:t>	take uber</a:t>
+            </a:r>
+            <a:br>
+              <a:rPr lang="en-US" dirty="0"/>
+            </a:br>
+            <a:r>
+              <a:rPr lang="en-US" dirty="0"/>
+              <a:t>else</a:t>
+            </a:r>
+            <a:br>
+              <a:rPr lang="en-US" dirty="0"/>
+            </a:br>
+            <a:r>
+              <a:rPr lang="en-US" dirty="0"/>
+              <a:t>	walk</a:t>
             </a:r>
           </a:p>
         </p:txBody>
@@ -4082,7 +4839,7 @@
     </p:spTree>
     <p:extLst>
       <p:ext uri="{BB962C8B-B14F-4D97-AF65-F5344CB8AC3E}">
-        <p14:creationId xmlns:p14="http://schemas.microsoft.com/office/powerpoint/2010/main" val="1818543803"/>
+        <p14:creationId xmlns:p14="http://schemas.microsoft.com/office/powerpoint/2010/main" val="2453195506"/>
       </p:ext>
     </p:extLst>
   </p:cSld>
@@ -4114,6 +4871,214 @@
           <p:cNvPr id="2" name="Title 1">
             <a:extLst>
               <a:ext uri="{FF2B5EF4-FFF2-40B4-BE49-F238E27FC236}">
+                <a16:creationId xmlns:a16="http://schemas.microsoft.com/office/drawing/2014/main" id="{D42DE7A4-F20A-D247-D267-561F8BA36AC2}"/>
+              </a:ext>
+            </a:extLst>
+          </p:cNvPr>
+          <p:cNvSpPr>
+            <a:spLocks noGrp="1"/>
+          </p:cNvSpPr>
+          <p:nvPr>
+            <p:ph type="title"/>
+          </p:nvPr>
+        </p:nvSpPr>
+        <p:spPr/>
+        <p:txBody>
+          <a:bodyPr/>
+          <a:lstStyle/>
+          <a:p>
+            <a:r>
+              <a:rPr lang="en-US" dirty="0"/>
+              <a:t>Why Python?</a:t>
+            </a:r>
+          </a:p>
+        </p:txBody>
+      </p:sp>
+      <p:sp>
+        <p:nvSpPr>
+          <p:cNvPr id="3" name="Content Placeholder 2">
+            <a:extLst>
+              <a:ext uri="{FF2B5EF4-FFF2-40B4-BE49-F238E27FC236}">
+                <a16:creationId xmlns:a16="http://schemas.microsoft.com/office/drawing/2014/main" id="{F64E2172-4D33-509E-270D-B954A143F2E1}"/>
+              </a:ext>
+            </a:extLst>
+          </p:cNvPr>
+          <p:cNvSpPr>
+            <a:spLocks noGrp="1"/>
+          </p:cNvSpPr>
+          <p:nvPr>
+            <p:ph idx="1"/>
+          </p:nvPr>
+        </p:nvSpPr>
+        <p:spPr/>
+        <p:txBody>
+          <a:bodyPr/>
+          <a:lstStyle/>
+          <a:p>
+            <a:r>
+              <a:rPr lang="en-US" dirty="0"/>
+              <a:t>Easy for beginners to understand</a:t>
+            </a:r>
+          </a:p>
+          <a:p>
+            <a:r>
+              <a:rPr lang="en-US" dirty="0"/>
+              <a:t>Simple to run</a:t>
+            </a:r>
+          </a:p>
+        </p:txBody>
+      </p:sp>
+    </p:spTree>
+    <p:extLst>
+      <p:ext uri="{BB962C8B-B14F-4D97-AF65-F5344CB8AC3E}">
+        <p14:creationId xmlns:p14="http://schemas.microsoft.com/office/powerpoint/2010/main" val="1818543803"/>
+      </p:ext>
+    </p:extLst>
+  </p:cSld>
+  <p:clrMapOvr>
+    <a:masterClrMapping/>
+  </p:clrMapOvr>
+</p:sld>
+</file>
+
+<file path=ppt/slides/slide13.xml><?xml version="1.0" encoding="utf-8"?>
+<p:sld xmlns:a="http://schemas.openxmlformats.org/drawingml/2006/main" xmlns:r="http://schemas.openxmlformats.org/officeDocument/2006/relationships" xmlns:p="http://schemas.openxmlformats.org/presentationml/2006/main">
+  <p:cSld>
+    <p:spTree>
+      <p:nvGrpSpPr>
+        <p:cNvPr id="1" name=""/>
+        <p:cNvGrpSpPr/>
+        <p:nvPr/>
+      </p:nvGrpSpPr>
+      <p:grpSpPr>
+        <a:xfrm>
+          <a:off x="0" y="0"/>
+          <a:ext cx="0" cy="0"/>
+          <a:chOff x="0" y="0"/>
+          <a:chExt cx="0" cy="0"/>
+        </a:xfrm>
+      </p:grpSpPr>
+      <p:sp>
+        <p:nvSpPr>
+          <p:cNvPr id="2" name="Title 1">
+            <a:extLst>
+              <a:ext uri="{FF2B5EF4-FFF2-40B4-BE49-F238E27FC236}">
+                <a16:creationId xmlns:a16="http://schemas.microsoft.com/office/drawing/2014/main" id="{62D7B990-B714-62CD-C1C1-D525827CB545}"/>
+              </a:ext>
+            </a:extLst>
+          </p:cNvPr>
+          <p:cNvSpPr>
+            <a:spLocks noGrp="1"/>
+          </p:cNvSpPr>
+          <p:nvPr>
+            <p:ph type="title"/>
+          </p:nvPr>
+        </p:nvSpPr>
+        <p:spPr/>
+        <p:txBody>
+          <a:bodyPr/>
+          <a:lstStyle/>
+          <a:p>
+            <a:r>
+              <a:rPr lang="en-US" dirty="0"/>
+              <a:t>What concepts we will use to create a Dungeon</a:t>
+            </a:r>
+          </a:p>
+        </p:txBody>
+      </p:sp>
+      <p:sp>
+        <p:nvSpPr>
+          <p:cNvPr id="3" name="Content Placeholder 2">
+            <a:extLst>
+              <a:ext uri="{FF2B5EF4-FFF2-40B4-BE49-F238E27FC236}">
+                <a16:creationId xmlns:a16="http://schemas.microsoft.com/office/drawing/2014/main" id="{A3BE770C-EBC6-66FF-FFF8-89887C7C65F8}"/>
+              </a:ext>
+            </a:extLst>
+          </p:cNvPr>
+          <p:cNvSpPr>
+            <a:spLocks noGrp="1"/>
+          </p:cNvSpPr>
+          <p:nvPr>
+            <p:ph idx="1"/>
+          </p:nvPr>
+        </p:nvSpPr>
+        <p:spPr/>
+        <p:txBody>
+          <a:bodyPr/>
+          <a:lstStyle/>
+          <a:p>
+            <a:pPr marL="0" indent="0">
+              <a:buNone/>
+            </a:pPr>
+            <a:endParaRPr lang="en-US" dirty="0"/>
+          </a:p>
+          <a:p>
+            <a:r>
+              <a:rPr lang="en-US" dirty="0"/>
+              <a:t>Variables</a:t>
+            </a:r>
+          </a:p>
+          <a:p>
+            <a:r>
+              <a:rPr lang="en-US" dirty="0"/>
+              <a:t>Lists</a:t>
+            </a:r>
+          </a:p>
+          <a:p>
+            <a:r>
+              <a:rPr lang="en-US" dirty="0"/>
+              <a:t>Functions</a:t>
+            </a:r>
+          </a:p>
+          <a:p>
+            <a:r>
+              <a:rPr lang="en-US" dirty="0"/>
+              <a:t>While loops</a:t>
+            </a:r>
+          </a:p>
+          <a:p>
+            <a:r>
+              <a:rPr lang="en-US" dirty="0"/>
+              <a:t>If conditional statement</a:t>
+            </a:r>
+          </a:p>
+        </p:txBody>
+      </p:sp>
+    </p:spTree>
+    <p:extLst>
+      <p:ext uri="{BB962C8B-B14F-4D97-AF65-F5344CB8AC3E}">
+        <p14:creationId xmlns:p14="http://schemas.microsoft.com/office/powerpoint/2010/main" val="1069078277"/>
+      </p:ext>
+    </p:extLst>
+  </p:cSld>
+  <p:clrMapOvr>
+    <a:masterClrMapping/>
+  </p:clrMapOvr>
+</p:sld>
+</file>
+
+<file path=ppt/slides/slide14.xml><?xml version="1.0" encoding="utf-8"?>
+<p:sld xmlns:a="http://schemas.openxmlformats.org/drawingml/2006/main" xmlns:r="http://schemas.openxmlformats.org/officeDocument/2006/relationships" xmlns:p="http://schemas.openxmlformats.org/presentationml/2006/main">
+  <p:cSld>
+    <p:spTree>
+      <p:nvGrpSpPr>
+        <p:cNvPr id="1" name=""/>
+        <p:cNvGrpSpPr/>
+        <p:nvPr/>
+      </p:nvGrpSpPr>
+      <p:grpSpPr>
+        <a:xfrm>
+          <a:off x="0" y="0"/>
+          <a:ext cx="0" cy="0"/>
+          <a:chOff x="0" y="0"/>
+          <a:chExt cx="0" cy="0"/>
+        </a:xfrm>
+      </p:grpSpPr>
+      <p:sp>
+        <p:nvSpPr>
+          <p:cNvPr id="2" name="Title 1">
+            <a:extLst>
+              <a:ext uri="{FF2B5EF4-FFF2-40B4-BE49-F238E27FC236}">
                 <a16:creationId xmlns:a16="http://schemas.microsoft.com/office/drawing/2014/main" id="{FDF0F38E-2EAE-45F8-0020-21FB20ADAD01}"/>
               </a:ext>
             </a:extLst>
@@ -4130,7 +5095,10 @@
           <a:bodyPr/>
           <a:lstStyle/>
           <a:p>
-            <a:endParaRPr lang="en-US"/>
+            <a:r>
+              <a:rPr lang="en-US" dirty="0"/>
+              <a:t>Step 1</a:t>
+            </a:r>
           </a:p>
         </p:txBody>
       </p:sp>
@@ -4155,7 +5123,29 @@
           <a:bodyPr/>
           <a:lstStyle/>
           <a:p>
-            <a:endParaRPr lang="en-US"/>
+            <a:pPr marL="0" indent="0">
+              <a:buNone/>
+            </a:pPr>
+            <a:r>
+              <a:rPr lang="en-US" dirty="0"/>
+              <a:t>https://</a:t>
+            </a:r>
+            <a:r>
+              <a:rPr lang="en-US" dirty="0" err="1"/>
+              <a:t>github.com</a:t>
+            </a:r>
+            <a:r>
+              <a:rPr lang="en-US" dirty="0"/>
+              <a:t>/</a:t>
+            </a:r>
+            <a:r>
+              <a:rPr lang="en-US" dirty="0" err="1"/>
+              <a:t>edvalin</a:t>
+            </a:r>
+            <a:r>
+              <a:rPr lang="en-US" dirty="0"/>
+              <a:t>/story/blob/main/game_step1.py</a:t>
+            </a:r>
           </a:p>
         </p:txBody>
       </p:sp>
@@ -4163,6 +5153,426 @@
     <p:extLst>
       <p:ext uri="{BB962C8B-B14F-4D97-AF65-F5344CB8AC3E}">
         <p14:creationId xmlns:p14="http://schemas.microsoft.com/office/powerpoint/2010/main" val="2891716966"/>
+      </p:ext>
+    </p:extLst>
+  </p:cSld>
+  <p:clrMapOvr>
+    <a:masterClrMapping/>
+  </p:clrMapOvr>
+</p:sld>
+</file>
+
+<file path=ppt/slides/slide15.xml><?xml version="1.0" encoding="utf-8"?>
+<p:sld xmlns:a="http://schemas.openxmlformats.org/drawingml/2006/main" xmlns:r="http://schemas.openxmlformats.org/officeDocument/2006/relationships" xmlns:p="http://schemas.openxmlformats.org/presentationml/2006/main">
+  <p:cSld>
+    <p:spTree>
+      <p:nvGrpSpPr>
+        <p:cNvPr id="1" name=""/>
+        <p:cNvGrpSpPr/>
+        <p:nvPr/>
+      </p:nvGrpSpPr>
+      <p:grpSpPr>
+        <a:xfrm>
+          <a:off x="0" y="0"/>
+          <a:ext cx="0" cy="0"/>
+          <a:chOff x="0" y="0"/>
+          <a:chExt cx="0" cy="0"/>
+        </a:xfrm>
+      </p:grpSpPr>
+      <p:sp>
+        <p:nvSpPr>
+          <p:cNvPr id="2" name="Title 1">
+            <a:extLst>
+              <a:ext uri="{FF2B5EF4-FFF2-40B4-BE49-F238E27FC236}">
+                <a16:creationId xmlns:a16="http://schemas.microsoft.com/office/drawing/2014/main" id="{FDF0F38E-2EAE-45F8-0020-21FB20ADAD01}"/>
+              </a:ext>
+            </a:extLst>
+          </p:cNvPr>
+          <p:cNvSpPr>
+            <a:spLocks noGrp="1"/>
+          </p:cNvSpPr>
+          <p:nvPr>
+            <p:ph type="title"/>
+          </p:nvPr>
+        </p:nvSpPr>
+        <p:spPr/>
+        <p:txBody>
+          <a:bodyPr/>
+          <a:lstStyle/>
+          <a:p>
+            <a:r>
+              <a:rPr lang="en-US" dirty="0"/>
+              <a:t>Step 2</a:t>
+            </a:r>
+          </a:p>
+        </p:txBody>
+      </p:sp>
+      <p:sp>
+        <p:nvSpPr>
+          <p:cNvPr id="3" name="Content Placeholder 2">
+            <a:extLst>
+              <a:ext uri="{FF2B5EF4-FFF2-40B4-BE49-F238E27FC236}">
+                <a16:creationId xmlns:a16="http://schemas.microsoft.com/office/drawing/2014/main" id="{CBB524BA-0326-B916-F0A3-170C06217BA1}"/>
+              </a:ext>
+            </a:extLst>
+          </p:cNvPr>
+          <p:cNvSpPr>
+            <a:spLocks noGrp="1"/>
+          </p:cNvSpPr>
+          <p:nvPr>
+            <p:ph idx="1"/>
+          </p:nvPr>
+        </p:nvSpPr>
+        <p:spPr/>
+        <p:txBody>
+          <a:bodyPr/>
+          <a:lstStyle/>
+          <a:p>
+            <a:pPr marL="0" indent="0">
+              <a:buNone/>
+            </a:pPr>
+            <a:r>
+              <a:rPr lang="en-US" dirty="0"/>
+              <a:t>https://</a:t>
+            </a:r>
+            <a:r>
+              <a:rPr lang="en-US" dirty="0" err="1"/>
+              <a:t>github.com</a:t>
+            </a:r>
+            <a:r>
+              <a:rPr lang="en-US" dirty="0"/>
+              <a:t>/</a:t>
+            </a:r>
+            <a:r>
+              <a:rPr lang="en-US" dirty="0" err="1"/>
+              <a:t>edvalin</a:t>
+            </a:r>
+            <a:r>
+              <a:rPr lang="en-US" dirty="0"/>
+              <a:t>/story/blob/main/game_step2.py</a:t>
+            </a:r>
+          </a:p>
+        </p:txBody>
+      </p:sp>
+    </p:spTree>
+    <p:extLst>
+      <p:ext uri="{BB962C8B-B14F-4D97-AF65-F5344CB8AC3E}">
+        <p14:creationId xmlns:p14="http://schemas.microsoft.com/office/powerpoint/2010/main" val="3615378433"/>
+      </p:ext>
+    </p:extLst>
+  </p:cSld>
+  <p:clrMapOvr>
+    <a:masterClrMapping/>
+  </p:clrMapOvr>
+</p:sld>
+</file>
+
+<file path=ppt/slides/slide16.xml><?xml version="1.0" encoding="utf-8"?>
+<p:sld xmlns:a="http://schemas.openxmlformats.org/drawingml/2006/main" xmlns:r="http://schemas.openxmlformats.org/officeDocument/2006/relationships" xmlns:p="http://schemas.openxmlformats.org/presentationml/2006/main">
+  <p:cSld>
+    <p:spTree>
+      <p:nvGrpSpPr>
+        <p:cNvPr id="1" name=""/>
+        <p:cNvGrpSpPr/>
+        <p:nvPr/>
+      </p:nvGrpSpPr>
+      <p:grpSpPr>
+        <a:xfrm>
+          <a:off x="0" y="0"/>
+          <a:ext cx="0" cy="0"/>
+          <a:chOff x="0" y="0"/>
+          <a:chExt cx="0" cy="0"/>
+        </a:xfrm>
+      </p:grpSpPr>
+      <p:sp>
+        <p:nvSpPr>
+          <p:cNvPr id="2" name="Title 1">
+            <a:extLst>
+              <a:ext uri="{FF2B5EF4-FFF2-40B4-BE49-F238E27FC236}">
+                <a16:creationId xmlns:a16="http://schemas.microsoft.com/office/drawing/2014/main" id="{FDF0F38E-2EAE-45F8-0020-21FB20ADAD01}"/>
+              </a:ext>
+            </a:extLst>
+          </p:cNvPr>
+          <p:cNvSpPr>
+            <a:spLocks noGrp="1"/>
+          </p:cNvSpPr>
+          <p:nvPr>
+            <p:ph type="title"/>
+          </p:nvPr>
+        </p:nvSpPr>
+        <p:spPr/>
+        <p:txBody>
+          <a:bodyPr/>
+          <a:lstStyle/>
+          <a:p>
+            <a:r>
+              <a:rPr lang="en-US" dirty="0"/>
+              <a:t>Step 3</a:t>
+            </a:r>
+          </a:p>
+        </p:txBody>
+      </p:sp>
+      <p:sp>
+        <p:nvSpPr>
+          <p:cNvPr id="3" name="Content Placeholder 2">
+            <a:extLst>
+              <a:ext uri="{FF2B5EF4-FFF2-40B4-BE49-F238E27FC236}">
+                <a16:creationId xmlns:a16="http://schemas.microsoft.com/office/drawing/2014/main" id="{CBB524BA-0326-B916-F0A3-170C06217BA1}"/>
+              </a:ext>
+            </a:extLst>
+          </p:cNvPr>
+          <p:cNvSpPr>
+            <a:spLocks noGrp="1"/>
+          </p:cNvSpPr>
+          <p:nvPr>
+            <p:ph idx="1"/>
+          </p:nvPr>
+        </p:nvSpPr>
+        <p:spPr/>
+        <p:txBody>
+          <a:bodyPr/>
+          <a:lstStyle/>
+          <a:p>
+            <a:pPr marL="0" indent="0">
+              <a:buNone/>
+            </a:pPr>
+            <a:r>
+              <a:rPr lang="en-US" dirty="0"/>
+              <a:t>https://</a:t>
+            </a:r>
+            <a:r>
+              <a:rPr lang="en-US" dirty="0" err="1"/>
+              <a:t>github.com</a:t>
+            </a:r>
+            <a:r>
+              <a:rPr lang="en-US" dirty="0"/>
+              <a:t>/</a:t>
+            </a:r>
+            <a:r>
+              <a:rPr lang="en-US" dirty="0" err="1"/>
+              <a:t>edvalin</a:t>
+            </a:r>
+            <a:r>
+              <a:rPr lang="en-US" dirty="0"/>
+              <a:t>/story/blob/main/game_step3.py</a:t>
+            </a:r>
+          </a:p>
+        </p:txBody>
+      </p:sp>
+    </p:spTree>
+    <p:extLst>
+      <p:ext uri="{BB962C8B-B14F-4D97-AF65-F5344CB8AC3E}">
+        <p14:creationId xmlns:p14="http://schemas.microsoft.com/office/powerpoint/2010/main" val="4072194366"/>
+      </p:ext>
+    </p:extLst>
+  </p:cSld>
+  <p:clrMapOvr>
+    <a:masterClrMapping/>
+  </p:clrMapOvr>
+</p:sld>
+</file>
+
+<file path=ppt/slides/slide17.xml><?xml version="1.0" encoding="utf-8"?>
+<p:sld xmlns:a="http://schemas.openxmlformats.org/drawingml/2006/main" xmlns:r="http://schemas.openxmlformats.org/officeDocument/2006/relationships" xmlns:p="http://schemas.openxmlformats.org/presentationml/2006/main">
+  <p:cSld>
+    <p:spTree>
+      <p:nvGrpSpPr>
+        <p:cNvPr id="1" name=""/>
+        <p:cNvGrpSpPr/>
+        <p:nvPr/>
+      </p:nvGrpSpPr>
+      <p:grpSpPr>
+        <a:xfrm>
+          <a:off x="0" y="0"/>
+          <a:ext cx="0" cy="0"/>
+          <a:chOff x="0" y="0"/>
+          <a:chExt cx="0" cy="0"/>
+        </a:xfrm>
+      </p:grpSpPr>
+      <p:sp>
+        <p:nvSpPr>
+          <p:cNvPr id="2" name="Title 1">
+            <a:extLst>
+              <a:ext uri="{FF2B5EF4-FFF2-40B4-BE49-F238E27FC236}">
+                <a16:creationId xmlns:a16="http://schemas.microsoft.com/office/drawing/2014/main" id="{FDF0F38E-2EAE-45F8-0020-21FB20ADAD01}"/>
+              </a:ext>
+            </a:extLst>
+          </p:cNvPr>
+          <p:cNvSpPr>
+            <a:spLocks noGrp="1"/>
+          </p:cNvSpPr>
+          <p:nvPr>
+            <p:ph type="title"/>
+          </p:nvPr>
+        </p:nvSpPr>
+        <p:spPr/>
+        <p:txBody>
+          <a:bodyPr/>
+          <a:lstStyle/>
+          <a:p>
+            <a:r>
+              <a:rPr lang="en-US" dirty="0"/>
+              <a:t>Step 4</a:t>
+            </a:r>
+          </a:p>
+        </p:txBody>
+      </p:sp>
+      <p:sp>
+        <p:nvSpPr>
+          <p:cNvPr id="3" name="Content Placeholder 2">
+            <a:extLst>
+              <a:ext uri="{FF2B5EF4-FFF2-40B4-BE49-F238E27FC236}">
+                <a16:creationId xmlns:a16="http://schemas.microsoft.com/office/drawing/2014/main" id="{CBB524BA-0326-B916-F0A3-170C06217BA1}"/>
+              </a:ext>
+            </a:extLst>
+          </p:cNvPr>
+          <p:cNvSpPr>
+            <a:spLocks noGrp="1"/>
+          </p:cNvSpPr>
+          <p:nvPr>
+            <p:ph idx="1"/>
+          </p:nvPr>
+        </p:nvSpPr>
+        <p:spPr/>
+        <p:txBody>
+          <a:bodyPr/>
+          <a:lstStyle/>
+          <a:p>
+            <a:pPr marL="0" indent="0">
+              <a:buNone/>
+            </a:pPr>
+            <a:r>
+              <a:rPr lang="en-US" dirty="0"/>
+              <a:t>https://</a:t>
+            </a:r>
+            <a:r>
+              <a:rPr lang="en-US" dirty="0" err="1"/>
+              <a:t>github.com</a:t>
+            </a:r>
+            <a:r>
+              <a:rPr lang="en-US" dirty="0"/>
+              <a:t>/</a:t>
+            </a:r>
+            <a:r>
+              <a:rPr lang="en-US" dirty="0" err="1"/>
+              <a:t>edvalin</a:t>
+            </a:r>
+            <a:r>
+              <a:rPr lang="en-US" dirty="0"/>
+              <a:t>/story/blob/main/game_step4.py</a:t>
+            </a:r>
+          </a:p>
+        </p:txBody>
+      </p:sp>
+    </p:spTree>
+    <p:extLst>
+      <p:ext uri="{BB962C8B-B14F-4D97-AF65-F5344CB8AC3E}">
+        <p14:creationId xmlns:p14="http://schemas.microsoft.com/office/powerpoint/2010/main" val="1045704014"/>
+      </p:ext>
+    </p:extLst>
+  </p:cSld>
+  <p:clrMapOvr>
+    <a:masterClrMapping/>
+  </p:clrMapOvr>
+</p:sld>
+</file>
+
+<file path=ppt/slides/slide18.xml><?xml version="1.0" encoding="utf-8"?>
+<p:sld xmlns:a="http://schemas.openxmlformats.org/drawingml/2006/main" xmlns:r="http://schemas.openxmlformats.org/officeDocument/2006/relationships" xmlns:p="http://schemas.openxmlformats.org/presentationml/2006/main">
+  <p:cSld>
+    <p:spTree>
+      <p:nvGrpSpPr>
+        <p:cNvPr id="1" name=""/>
+        <p:cNvGrpSpPr/>
+        <p:nvPr/>
+      </p:nvGrpSpPr>
+      <p:grpSpPr>
+        <a:xfrm>
+          <a:off x="0" y="0"/>
+          <a:ext cx="0" cy="0"/>
+          <a:chOff x="0" y="0"/>
+          <a:chExt cx="0" cy="0"/>
+        </a:xfrm>
+      </p:grpSpPr>
+      <p:sp>
+        <p:nvSpPr>
+          <p:cNvPr id="2" name="Title 1">
+            <a:extLst>
+              <a:ext uri="{FF2B5EF4-FFF2-40B4-BE49-F238E27FC236}">
+                <a16:creationId xmlns:a16="http://schemas.microsoft.com/office/drawing/2014/main" id="{FDF0F38E-2EAE-45F8-0020-21FB20ADAD01}"/>
+              </a:ext>
+            </a:extLst>
+          </p:cNvPr>
+          <p:cNvSpPr>
+            <a:spLocks noGrp="1"/>
+          </p:cNvSpPr>
+          <p:nvPr>
+            <p:ph type="title"/>
+          </p:nvPr>
+        </p:nvSpPr>
+        <p:spPr/>
+        <p:txBody>
+          <a:bodyPr/>
+          <a:lstStyle/>
+          <a:p>
+            <a:r>
+              <a:rPr lang="en-US" dirty="0"/>
+              <a:t>Step 5</a:t>
+            </a:r>
+          </a:p>
+        </p:txBody>
+      </p:sp>
+      <p:sp>
+        <p:nvSpPr>
+          <p:cNvPr id="3" name="Content Placeholder 2">
+            <a:extLst>
+              <a:ext uri="{FF2B5EF4-FFF2-40B4-BE49-F238E27FC236}">
+                <a16:creationId xmlns:a16="http://schemas.microsoft.com/office/drawing/2014/main" id="{CBB524BA-0326-B916-F0A3-170C06217BA1}"/>
+              </a:ext>
+            </a:extLst>
+          </p:cNvPr>
+          <p:cNvSpPr>
+            <a:spLocks noGrp="1"/>
+          </p:cNvSpPr>
+          <p:nvPr>
+            <p:ph idx="1"/>
+          </p:nvPr>
+        </p:nvSpPr>
+        <p:spPr/>
+        <p:txBody>
+          <a:bodyPr/>
+          <a:lstStyle/>
+          <a:p>
+            <a:pPr marL="0" indent="0">
+              <a:buNone/>
+            </a:pPr>
+            <a:r>
+              <a:rPr lang="en-US" dirty="0"/>
+              <a:t>https://</a:t>
+            </a:r>
+            <a:r>
+              <a:rPr lang="en-US" dirty="0" err="1"/>
+              <a:t>github.com</a:t>
+            </a:r>
+            <a:r>
+              <a:rPr lang="en-US" dirty="0"/>
+              <a:t>/</a:t>
+            </a:r>
+            <a:r>
+              <a:rPr lang="en-US" dirty="0" err="1"/>
+              <a:t>edvalin</a:t>
+            </a:r>
+            <a:r>
+              <a:rPr lang="en-US" dirty="0"/>
+              <a:t>/story/blob/main/game_step5.py</a:t>
+            </a:r>
+          </a:p>
+        </p:txBody>
+      </p:sp>
+    </p:spTree>
+    <p:extLst>
+      <p:ext uri="{BB962C8B-B14F-4D97-AF65-F5344CB8AC3E}">
+        <p14:creationId xmlns:p14="http://schemas.microsoft.com/office/powerpoint/2010/main" val="3810777022"/>
       </p:ext>
     </p:extLst>
   </p:cSld>
@@ -4212,36 +5622,43 @@
           <a:p>
             <a:r>
               <a:rPr lang="en-US" dirty="0"/>
-              <a:t>Show Game</a:t>
-            </a:r>
-          </a:p>
-        </p:txBody>
-      </p:sp>
-      <p:sp>
-        <p:nvSpPr>
-          <p:cNvPr id="3" name="Content Placeholder 2">
-            <a:extLst>
-              <a:ext uri="{FF2B5EF4-FFF2-40B4-BE49-F238E27FC236}">
-                <a16:creationId xmlns:a16="http://schemas.microsoft.com/office/drawing/2014/main" id="{AA770B85-A8A8-5D09-0085-1FF848B73EB1}"/>
-              </a:ext>
-            </a:extLst>
-          </p:cNvPr>
-          <p:cNvSpPr>
-            <a:spLocks noGrp="1"/>
-          </p:cNvSpPr>
+              <a:t>It’s a Game Time!</a:t>
+            </a:r>
+          </a:p>
+        </p:txBody>
+      </p:sp>
+      <p:pic>
+        <p:nvPicPr>
+          <p:cNvPr id="4" name="Content Placeholder 3">
+            <a:extLst>
+              <a:ext uri="{FF2B5EF4-FFF2-40B4-BE49-F238E27FC236}">
+                <a16:creationId xmlns:a16="http://schemas.microsoft.com/office/drawing/2014/main" id="{B4969ED7-4100-54DF-44B1-C06B69BBB16D}"/>
+              </a:ext>
+            </a:extLst>
+          </p:cNvPr>
+          <p:cNvPicPr>
+            <a:picLocks noGrp="1" noChangeAspect="1"/>
+          </p:cNvPicPr>
           <p:nvPr>
             <p:ph idx="1"/>
           </p:nvPr>
-        </p:nvSpPr>
-        <p:spPr/>
-        <p:txBody>
-          <a:bodyPr/>
-          <a:lstStyle/>
-          <a:p>
-            <a:endParaRPr lang="en-US"/>
-          </a:p>
-        </p:txBody>
-      </p:sp>
+        </p:nvPicPr>
+        <p:blipFill>
+          <a:blip r:embed="rId3"/>
+          <a:stretch>
+            <a:fillRect/>
+          </a:stretch>
+        </p:blipFill>
+        <p:spPr>
+          <a:xfrm>
+            <a:off x="838200" y="2136027"/>
+            <a:ext cx="10515600" cy="3730534"/>
+          </a:xfrm>
+          <a:prstGeom prst="rect">
+            <a:avLst/>
+          </a:prstGeom>
+        </p:spPr>
+      </p:pic>
     </p:spTree>
     <p:extLst>
       <p:ext uri="{BB962C8B-B14F-4D97-AF65-F5344CB8AC3E}">
@@ -4667,7 +6084,7 @@
           <p:nvPr/>
         </p:nvPicPr>
         <p:blipFill>
-          <a:blip r:embed="rId2"/>
+          <a:blip r:embed="rId3"/>
           <a:stretch>
             <a:fillRect/>
           </a:stretch>
@@ -4717,7 +6134,7 @@
           <p:cNvPr id="2" name="Title 1">
             <a:extLst>
               <a:ext uri="{FF2B5EF4-FFF2-40B4-BE49-F238E27FC236}">
-                <a16:creationId xmlns:a16="http://schemas.microsoft.com/office/drawing/2014/main" id="{4E189F9D-5413-99C8-4ECD-C7D69C235FEE}"/>
+                <a16:creationId xmlns:a16="http://schemas.microsoft.com/office/drawing/2014/main" id="{630663B7-ECA2-CE66-3829-2FB2884A2095}"/>
               </a:ext>
             </a:extLst>
           </p:cNvPr>
@@ -4735,7 +6152,7 @@
           <a:p>
             <a:r>
               <a:rPr lang="en-US" dirty="0"/>
-              <a:t>What is programing language</a:t>
+              <a:t>What we need to Implement</a:t>
             </a:r>
           </a:p>
         </p:txBody>
@@ -4745,7 +6162,7 @@
           <p:cNvPr id="3" name="Content Placeholder 2">
             <a:extLst>
               <a:ext uri="{FF2B5EF4-FFF2-40B4-BE49-F238E27FC236}">
-                <a16:creationId xmlns:a16="http://schemas.microsoft.com/office/drawing/2014/main" id="{167B81DA-A754-819B-B0A0-EA9820B1EB76}"/>
+                <a16:creationId xmlns:a16="http://schemas.microsoft.com/office/drawing/2014/main" id="{47E7B664-196B-735E-A645-776267C872A1}"/>
               </a:ext>
             </a:extLst>
           </p:cNvPr>
@@ -4761,15 +6178,63 @@
           <a:bodyPr/>
           <a:lstStyle/>
           <a:p>
-            <a:r>
-              <a:rPr lang="en-US" dirty="0"/>
-              <a:t>Regardless of language every novel follows similar pattern. It consists of chapters, paragraphs, sentences, words and letters. Programming languages are somewhat similar. They all try to create a set of instruction that computer will need to follow. Some are more human readable, some are more capable. </a:t>
-            </a:r>
-          </a:p>
-          <a:p>
-            <a:r>
-              <a:rPr lang="en-US" dirty="0"/>
-              <a:t>Instructions to computers</a:t>
+            <a:pPr marL="514350" indent="-514350">
+              <a:buFont typeface="+mj-lt"/>
+              <a:buAutoNum type="arabicPeriod"/>
+            </a:pPr>
+            <a:r>
+              <a:rPr lang="en-US" dirty="0"/>
+              <a:t>Introduction to Dungeon</a:t>
+            </a:r>
+          </a:p>
+          <a:p>
+            <a:pPr marL="514350" indent="-514350">
+              <a:buFont typeface="+mj-lt"/>
+              <a:buAutoNum type="arabicPeriod"/>
+            </a:pPr>
+            <a:r>
+              <a:rPr lang="en-US" dirty="0"/>
+              <a:t>Ask for players Name</a:t>
+            </a:r>
+          </a:p>
+          <a:p>
+            <a:pPr marL="514350" indent="-514350">
+              <a:buFont typeface="+mj-lt"/>
+              <a:buAutoNum type="arabicPeriod"/>
+            </a:pPr>
+            <a:r>
+              <a:rPr lang="en-US" dirty="0"/>
+              <a:t>Go to initial room</a:t>
+            </a:r>
+          </a:p>
+          <a:p>
+            <a:pPr marL="514350" indent="-514350">
+              <a:buFont typeface="+mj-lt"/>
+              <a:buAutoNum type="arabicPeriod"/>
+            </a:pPr>
+            <a:r>
+              <a:rPr lang="en-US" dirty="0"/>
+              <a:t>Ask player to enter next direction</a:t>
+            </a:r>
+          </a:p>
+          <a:p>
+            <a:pPr marL="514350" indent="-514350">
+              <a:buFont typeface="+mj-lt"/>
+              <a:buAutoNum type="arabicPeriod"/>
+            </a:pPr>
+            <a:r>
+              <a:rPr lang="en-US" dirty="0"/>
+              <a:t>Find Wand</a:t>
+            </a:r>
+          </a:p>
+          <a:p>
+            <a:pPr marL="514350" indent="-514350">
+              <a:buFont typeface="+mj-lt"/>
+              <a:buAutoNum type="arabicPeriod"/>
+            </a:pPr>
+            <a:r>
+              <a:rPr lang="en-US" dirty="0"/>
+              <a:t>Remove obstacle and escape</a:t>
             </a:r>
           </a:p>
         </p:txBody>
@@ -4777,7 +6242,7 @@
     </p:spTree>
     <p:extLst>
       <p:ext uri="{BB962C8B-B14F-4D97-AF65-F5344CB8AC3E}">
-        <p14:creationId xmlns:p14="http://schemas.microsoft.com/office/powerpoint/2010/main" val="2946261042"/>
+        <p14:creationId xmlns:p14="http://schemas.microsoft.com/office/powerpoint/2010/main" val="829635021"/>
       </p:ext>
     </p:extLst>
   </p:cSld>
@@ -4809,7 +6274,7 @@
           <p:cNvPr id="2" name="Title 1">
             <a:extLst>
               <a:ext uri="{FF2B5EF4-FFF2-40B4-BE49-F238E27FC236}">
-                <a16:creationId xmlns:a16="http://schemas.microsoft.com/office/drawing/2014/main" id="{ADD116CF-D81E-86CB-B223-5F69DB520684}"/>
+                <a16:creationId xmlns:a16="http://schemas.microsoft.com/office/drawing/2014/main" id="{4E189F9D-5413-99C8-4ECD-C7D69C235FEE}"/>
               </a:ext>
             </a:extLst>
           </p:cNvPr>
@@ -4827,7 +6292,7 @@
           <a:p>
             <a:r>
               <a:rPr lang="en-US" dirty="0"/>
-              <a:t>Using logic to tell computer Instructions</a:t>
+              <a:t>What is programing language</a:t>
             </a:r>
           </a:p>
         </p:txBody>
@@ -4837,7 +6302,7 @@
           <p:cNvPr id="3" name="Content Placeholder 2">
             <a:extLst>
               <a:ext uri="{FF2B5EF4-FFF2-40B4-BE49-F238E27FC236}">
-                <a16:creationId xmlns:a16="http://schemas.microsoft.com/office/drawing/2014/main" id="{1293DB01-4E5E-4DAC-DB5B-0E245713C0D6}"/>
+                <a16:creationId xmlns:a16="http://schemas.microsoft.com/office/drawing/2014/main" id="{167B81DA-A754-819B-B0A0-EA9820B1EB76}"/>
               </a:ext>
             </a:extLst>
           </p:cNvPr>
@@ -4855,28 +6320,13 @@
           <a:p>
             <a:r>
               <a:rPr lang="en-US" dirty="0"/>
-              <a:t>If raining today </a:t>
-            </a:r>
-            <a:br>
-              <a:rPr lang="en-US" dirty="0"/>
-            </a:br>
-            <a:r>
-              <a:rPr lang="en-US" dirty="0"/>
-              <a:t>	take uber</a:t>
-            </a:r>
-            <a:br>
-              <a:rPr lang="en-US" dirty="0"/>
-            </a:br>
-            <a:r>
-              <a:rPr lang="en-US" dirty="0"/>
-              <a:t>else</a:t>
-            </a:r>
-            <a:br>
-              <a:rPr lang="en-US" dirty="0"/>
-            </a:br>
-            <a:r>
-              <a:rPr lang="en-US" dirty="0"/>
-              <a:t>	walk</a:t>
+              <a:t>There are certain rules and concepts that are similar in every language.</a:t>
+            </a:r>
+          </a:p>
+          <a:p>
+            <a:r>
+              <a:rPr lang="en-US" dirty="0"/>
+              <a:t>Programming languages are no different</a:t>
             </a:r>
           </a:p>
         </p:txBody>
@@ -4884,7 +6334,7 @@
     </p:spTree>
     <p:extLst>
       <p:ext uri="{BB962C8B-B14F-4D97-AF65-F5344CB8AC3E}">
-        <p14:creationId xmlns:p14="http://schemas.microsoft.com/office/powerpoint/2010/main" val="2453195506"/>
+        <p14:creationId xmlns:p14="http://schemas.microsoft.com/office/powerpoint/2010/main" val="2946261042"/>
       </p:ext>
     </p:extLst>
   </p:cSld>
